--- a/morea/materials/09-Zuul.pptx
+++ b/morea/materials/09-Zuul.pptx
@@ -231,7 +231,7 @@
           <a:p>
             <a:fld id="{BB6BAE91-212C-F34F-A74B-874A8C7A7F45}" type="datetimeFigureOut">
               <a:rPr lang="en-US" smtClean="0"/>
-              <a:t>3/29/15</a:t>
+              <a:t>3/30/15</a:t>
             </a:fld>
             <a:endParaRPr lang="en-US"/>
           </a:p>
@@ -935,7 +935,7 @@
           <a:p>
             <a:fld id="{95D0A52A-683A-E348-B00D-319C34B8C99A}" type="datetimeFigureOut">
               <a:rPr lang="en-US" smtClean="0"/>
-              <a:t>3/29/15</a:t>
+              <a:t>3/30/15</a:t>
             </a:fld>
             <a:endParaRPr lang="en-US"/>
           </a:p>
@@ -1105,7 +1105,7 @@
           <a:p>
             <a:fld id="{95D0A52A-683A-E348-B00D-319C34B8C99A}" type="datetimeFigureOut">
               <a:rPr lang="en-US" smtClean="0"/>
-              <a:t>3/29/15</a:t>
+              <a:t>3/30/15</a:t>
             </a:fld>
             <a:endParaRPr lang="en-US"/>
           </a:p>
@@ -1285,7 +1285,7 @@
           <a:p>
             <a:fld id="{95D0A52A-683A-E348-B00D-319C34B8C99A}" type="datetimeFigureOut">
               <a:rPr lang="en-US" smtClean="0"/>
-              <a:t>3/29/15</a:t>
+              <a:t>3/30/15</a:t>
             </a:fld>
             <a:endParaRPr lang="en-US"/>
           </a:p>
@@ -1455,7 +1455,7 @@
           <a:p>
             <a:fld id="{95D0A52A-683A-E348-B00D-319C34B8C99A}" type="datetimeFigureOut">
               <a:rPr lang="en-US" smtClean="0"/>
-              <a:t>3/29/15</a:t>
+              <a:t>3/30/15</a:t>
             </a:fld>
             <a:endParaRPr lang="en-US"/>
           </a:p>
@@ -1701,7 +1701,7 @@
           <a:p>
             <a:fld id="{95D0A52A-683A-E348-B00D-319C34B8C99A}" type="datetimeFigureOut">
               <a:rPr lang="en-US" smtClean="0"/>
-              <a:t>3/29/15</a:t>
+              <a:t>3/30/15</a:t>
             </a:fld>
             <a:endParaRPr lang="en-US"/>
           </a:p>
@@ -1989,7 +1989,7 @@
           <a:p>
             <a:fld id="{95D0A52A-683A-E348-B00D-319C34B8C99A}" type="datetimeFigureOut">
               <a:rPr lang="en-US" smtClean="0"/>
-              <a:t>3/29/15</a:t>
+              <a:t>3/30/15</a:t>
             </a:fld>
             <a:endParaRPr lang="en-US"/>
           </a:p>
@@ -2411,7 +2411,7 @@
           <a:p>
             <a:fld id="{95D0A52A-683A-E348-B00D-319C34B8C99A}" type="datetimeFigureOut">
               <a:rPr lang="en-US" smtClean="0"/>
-              <a:t>3/29/15</a:t>
+              <a:t>3/30/15</a:t>
             </a:fld>
             <a:endParaRPr lang="en-US"/>
           </a:p>
@@ -2529,7 +2529,7 @@
           <a:p>
             <a:fld id="{95D0A52A-683A-E348-B00D-319C34B8C99A}" type="datetimeFigureOut">
               <a:rPr lang="en-US" smtClean="0"/>
-              <a:t>3/29/15</a:t>
+              <a:t>3/30/15</a:t>
             </a:fld>
             <a:endParaRPr lang="en-US"/>
           </a:p>
@@ -2624,7 +2624,7 @@
           <a:p>
             <a:fld id="{95D0A52A-683A-E348-B00D-319C34B8C99A}" type="datetimeFigureOut">
               <a:rPr lang="en-US" smtClean="0"/>
-              <a:t>3/29/15</a:t>
+              <a:t>3/30/15</a:t>
             </a:fld>
             <a:endParaRPr lang="en-US"/>
           </a:p>
@@ -2901,7 +2901,7 @@
           <a:p>
             <a:fld id="{95D0A52A-683A-E348-B00D-319C34B8C99A}" type="datetimeFigureOut">
               <a:rPr lang="en-US" smtClean="0"/>
-              <a:t>3/29/15</a:t>
+              <a:t>3/30/15</a:t>
             </a:fld>
             <a:endParaRPr lang="en-US"/>
           </a:p>
@@ -3154,7 +3154,7 @@
           <a:p>
             <a:fld id="{95D0A52A-683A-E348-B00D-319C34B8C99A}" type="datetimeFigureOut">
               <a:rPr lang="en-US" smtClean="0"/>
-              <a:t>3/29/15</a:t>
+              <a:t>3/30/15</a:t>
             </a:fld>
             <a:endParaRPr lang="en-US"/>
           </a:p>
@@ -3367,7 +3367,7 @@
           <a:p>
             <a:fld id="{95D0A52A-683A-E348-B00D-319C34B8C99A}" type="datetimeFigureOut">
               <a:rPr lang="en-US" smtClean="0"/>
-              <a:t>3/29/15</a:t>
+              <a:t>3/30/15</a:t>
             </a:fld>
             <a:endParaRPr lang="en-US"/>
           </a:p>
@@ -19085,7 +19085,19 @@
             </a:r>
             <a:r>
               <a:rPr lang="en-US" sz="2000" dirty="0" smtClean="0"/>
-              <a:t>a class/method does is visible to the outside (to other classes) by not </a:t>
+              <a:t>a class/method does is visible to the outside (to other classes</a:t>
+            </a:r>
+            <a:r>
+              <a:rPr lang="en-US" sz="2000" smtClean="0"/>
+              <a:t>) </a:t>
+            </a:r>
+            <a:r>
+              <a:rPr lang="en-US" sz="2000" smtClean="0"/>
+              <a:t>but </a:t>
+            </a:r>
+            <a:r>
+              <a:rPr lang="en-US" sz="2000" dirty="0" smtClean="0"/>
+              <a:t>not </a:t>
             </a:r>
             <a:r>
               <a:rPr lang="en-US" sz="2000" i="1" u="sng" dirty="0" smtClean="0"/>
